--- a/Project_Presentation.pptx
+++ b/Project_Presentation.pptx
@@ -263,7 +263,7 @@
           <a:p>
             <a:fld id="{863036BC-1211-4FDC-B430-3F9EBCAEC9A7}" type="datetimeFigureOut">
               <a:rPr lang="ru-RU" smtClean="0"/>
-              <a:t>21.02.2023</a:t>
+              <a:t>24.02.2023</a:t>
             </a:fld>
             <a:endParaRPr lang="ru-RU"/>
           </a:p>
@@ -497,7 +497,7 @@
           <a:p>
             <a:fld id="{863036BC-1211-4FDC-B430-3F9EBCAEC9A7}" type="datetimeFigureOut">
               <a:rPr lang="ru-RU" smtClean="0"/>
-              <a:t>21.02.2023</a:t>
+              <a:t>24.02.2023</a:t>
             </a:fld>
             <a:endParaRPr lang="ru-RU"/>
           </a:p>
@@ -705,7 +705,7 @@
           <a:p>
             <a:fld id="{863036BC-1211-4FDC-B430-3F9EBCAEC9A7}" type="datetimeFigureOut">
               <a:rPr lang="ru-RU" smtClean="0"/>
-              <a:t>21.02.2023</a:t>
+              <a:t>24.02.2023</a:t>
             </a:fld>
             <a:endParaRPr lang="ru-RU"/>
           </a:p>
@@ -903,7 +903,7 @@
           <a:p>
             <a:fld id="{863036BC-1211-4FDC-B430-3F9EBCAEC9A7}" type="datetimeFigureOut">
               <a:rPr lang="ru-RU" smtClean="0"/>
-              <a:t>21.02.2023</a:t>
+              <a:t>24.02.2023</a:t>
             </a:fld>
             <a:endParaRPr lang="ru-RU"/>
           </a:p>
@@ -1178,7 +1178,7 @@
           <a:p>
             <a:fld id="{863036BC-1211-4FDC-B430-3F9EBCAEC9A7}" type="datetimeFigureOut">
               <a:rPr lang="ru-RU" smtClean="0"/>
-              <a:t>21.02.2023</a:t>
+              <a:t>24.02.2023</a:t>
             </a:fld>
             <a:endParaRPr lang="ru-RU"/>
           </a:p>
@@ -1443,7 +1443,7 @@
           <a:p>
             <a:fld id="{863036BC-1211-4FDC-B430-3F9EBCAEC9A7}" type="datetimeFigureOut">
               <a:rPr lang="ru-RU" smtClean="0"/>
-              <a:t>21.02.2023</a:t>
+              <a:t>24.02.2023</a:t>
             </a:fld>
             <a:endParaRPr lang="ru-RU"/>
           </a:p>
@@ -1855,7 +1855,7 @@
           <a:p>
             <a:fld id="{863036BC-1211-4FDC-B430-3F9EBCAEC9A7}" type="datetimeFigureOut">
               <a:rPr lang="ru-RU" smtClean="0"/>
-              <a:t>21.02.2023</a:t>
+              <a:t>24.02.2023</a:t>
             </a:fld>
             <a:endParaRPr lang="ru-RU"/>
           </a:p>
@@ -1996,7 +1996,7 @@
           <a:p>
             <a:fld id="{863036BC-1211-4FDC-B430-3F9EBCAEC9A7}" type="datetimeFigureOut">
               <a:rPr lang="ru-RU" smtClean="0"/>
-              <a:t>21.02.2023</a:t>
+              <a:t>24.02.2023</a:t>
             </a:fld>
             <a:endParaRPr lang="ru-RU"/>
           </a:p>
@@ -2109,7 +2109,7 @@
           <a:p>
             <a:fld id="{863036BC-1211-4FDC-B430-3F9EBCAEC9A7}" type="datetimeFigureOut">
               <a:rPr lang="ru-RU" smtClean="0"/>
-              <a:t>21.02.2023</a:t>
+              <a:t>24.02.2023</a:t>
             </a:fld>
             <a:endParaRPr lang="ru-RU"/>
           </a:p>
@@ -2420,7 +2420,7 @@
           <a:p>
             <a:fld id="{863036BC-1211-4FDC-B430-3F9EBCAEC9A7}" type="datetimeFigureOut">
               <a:rPr lang="ru-RU" smtClean="0"/>
-              <a:t>21.02.2023</a:t>
+              <a:t>24.02.2023</a:t>
             </a:fld>
             <a:endParaRPr lang="ru-RU"/>
           </a:p>
@@ -2708,7 +2708,7 @@
           <a:p>
             <a:fld id="{863036BC-1211-4FDC-B430-3F9EBCAEC9A7}" type="datetimeFigureOut">
               <a:rPr lang="ru-RU" smtClean="0"/>
-              <a:t>21.02.2023</a:t>
+              <a:t>24.02.2023</a:t>
             </a:fld>
             <a:endParaRPr lang="ru-RU"/>
           </a:p>
@@ -2949,7 +2949,7 @@
           <a:p>
             <a:fld id="{863036BC-1211-4FDC-B430-3F9EBCAEC9A7}" type="datetimeFigureOut">
               <a:rPr lang="ru-RU" smtClean="0"/>
-              <a:t>21.02.2023</a:t>
+              <a:t>24.02.2023</a:t>
             </a:fld>
             <a:endParaRPr lang="ru-RU"/>
           </a:p>
@@ -3689,13 +3689,13 @@
   <p:clrMapOvr>
     <a:masterClrMapping/>
   </p:clrMapOvr>
-  <mc:AlternateContent xmlns:mc="http://schemas.openxmlformats.org/markup-compatibility/2006">
-    <mc:Choice xmlns:p159="http://schemas.microsoft.com/office/powerpoint/2015/09/main" Requires="p159">
+  <mc:AlternateContent xmlns:mc="http://schemas.openxmlformats.org/markup-compatibility/2006" xmlns:p159="http://schemas.microsoft.com/office/powerpoint/2015/09/main">
+    <mc:Choice Requires="p159">
       <p:transition xmlns:p14="http://schemas.microsoft.com/office/powerpoint/2010/main" spd="slow" p14:dur="2000">
         <p159:morph option="byObject"/>
       </p:transition>
     </mc:Choice>
-    <mc:Fallback>
+    <mc:Fallback xmlns="">
       <p:transition spd="slow">
         <p:fade/>
       </p:transition>
@@ -3850,13 +3850,13 @@
   <p:clrMapOvr>
     <a:masterClrMapping/>
   </p:clrMapOvr>
-  <mc:AlternateContent xmlns:mc="http://schemas.openxmlformats.org/markup-compatibility/2006">
-    <mc:Choice xmlns:p159="http://schemas.microsoft.com/office/powerpoint/2015/09/main" Requires="p159">
+  <mc:AlternateContent xmlns:mc="http://schemas.openxmlformats.org/markup-compatibility/2006" xmlns:p159="http://schemas.microsoft.com/office/powerpoint/2015/09/main">
+    <mc:Choice Requires="p159">
       <p:transition xmlns:p14="http://schemas.microsoft.com/office/powerpoint/2010/main" spd="slow" p14:dur="2000">
         <p159:morph option="byObject"/>
       </p:transition>
     </mc:Choice>
-    <mc:Fallback>
+    <mc:Fallback xmlns="">
       <p:transition spd="slow">
         <p:fade/>
       </p:transition>
@@ -3946,12 +3946,6 @@
           <a:p>
             <a:r>
               <a:rPr lang="ru-RU" dirty="0"/>
-              <a:t>Я думал развивать эту игру дальше, сделать что то намного лучше либо создать новую.</a:t>
-            </a:r>
-          </a:p>
-          <a:p>
-            <a:r>
-              <a:rPr lang="ru-RU" dirty="0"/>
               <a:t>Самый главный минус, наверное в спрайтах монстров, они получились не очень хорошо, но я доволен)</a:t>
             </a:r>
           </a:p>
@@ -4003,13 +3997,13 @@
   <p:clrMapOvr>
     <a:masterClrMapping/>
   </p:clrMapOvr>
-  <mc:AlternateContent xmlns:mc="http://schemas.openxmlformats.org/markup-compatibility/2006">
-    <mc:Choice xmlns:p159="http://schemas.microsoft.com/office/powerpoint/2015/09/main" Requires="p159">
+  <mc:AlternateContent xmlns:mc="http://schemas.openxmlformats.org/markup-compatibility/2006" xmlns:p159="http://schemas.microsoft.com/office/powerpoint/2015/09/main">
+    <mc:Choice Requires="p159">
       <p:transition xmlns:p14="http://schemas.microsoft.com/office/powerpoint/2010/main" spd="slow" p14:dur="2000">
         <p159:morph option="byObject"/>
       </p:transition>
     </mc:Choice>
-    <mc:Fallback>
+    <mc:Fallback xmlns="">
       <p:transition spd="slow">
         <p:fade/>
       </p:transition>
@@ -4078,13 +4072,13 @@
   <p:clrMapOvr>
     <a:masterClrMapping/>
   </p:clrMapOvr>
-  <mc:AlternateContent xmlns:mc="http://schemas.openxmlformats.org/markup-compatibility/2006">
-    <mc:Choice xmlns:p159="http://schemas.microsoft.com/office/powerpoint/2015/09/main" Requires="p159">
+  <mc:AlternateContent xmlns:mc="http://schemas.openxmlformats.org/markup-compatibility/2006" xmlns:p159="http://schemas.microsoft.com/office/powerpoint/2015/09/main">
+    <mc:Choice Requires="p159">
       <p:transition xmlns:p14="http://schemas.microsoft.com/office/powerpoint/2010/main" spd="slow" p14:dur="2000">
         <p159:morph option="byObject"/>
       </p:transition>
     </mc:Choice>
-    <mc:Fallback>
+    <mc:Fallback xmlns="">
       <p:transition spd="slow">
         <p:fade/>
       </p:transition>
